--- a/Movie_App 구성.pptx
+++ b/Movie_App 구성.pptx
@@ -104,6 +104,11 @@
       </a:defRPr>
     </a:lvl9pPr>
   </p:defaultTextStyle>
+  <p:extLst>
+    <p:ext uri="{EFAFB233-063F-42B5-8137-9DF3F51BA10A}">
+      <p15:sldGuideLst xmlns:p15="http://schemas.microsoft.com/office/powerpoint/2012/main"/>
+    </p:ext>
+  </p:extLst>
 </p:presentation>
 </file>
 
@@ -254,7 +259,7 @@
           <a:p>
             <a:fld id="{7A8194B3-AF51-4F45-83F3-54CAAB5A4272}" type="datetimeFigureOut">
               <a:rPr lang="ko-KR" altLang="en-US" smtClean="0"/>
-              <a:t>2021-10-28</a:t>
+              <a:t>2021-11-09</a:t>
             </a:fld>
             <a:endParaRPr lang="ko-KR" altLang="en-US"/>
           </a:p>
@@ -452,7 +457,7 @@
           <a:p>
             <a:fld id="{7A8194B3-AF51-4F45-83F3-54CAAB5A4272}" type="datetimeFigureOut">
               <a:rPr lang="ko-KR" altLang="en-US" smtClean="0"/>
-              <a:t>2021-10-28</a:t>
+              <a:t>2021-11-09</a:t>
             </a:fld>
             <a:endParaRPr lang="ko-KR" altLang="en-US"/>
           </a:p>
@@ -660,7 +665,7 @@
           <a:p>
             <a:fld id="{7A8194B3-AF51-4F45-83F3-54CAAB5A4272}" type="datetimeFigureOut">
               <a:rPr lang="ko-KR" altLang="en-US" smtClean="0"/>
-              <a:t>2021-10-28</a:t>
+              <a:t>2021-11-09</a:t>
             </a:fld>
             <a:endParaRPr lang="ko-KR" altLang="en-US"/>
           </a:p>
@@ -858,7 +863,7 @@
           <a:p>
             <a:fld id="{7A8194B3-AF51-4F45-83F3-54CAAB5A4272}" type="datetimeFigureOut">
               <a:rPr lang="ko-KR" altLang="en-US" smtClean="0"/>
-              <a:t>2021-10-28</a:t>
+              <a:t>2021-11-09</a:t>
             </a:fld>
             <a:endParaRPr lang="ko-KR" altLang="en-US"/>
           </a:p>
@@ -1133,7 +1138,7 @@
           <a:p>
             <a:fld id="{7A8194B3-AF51-4F45-83F3-54CAAB5A4272}" type="datetimeFigureOut">
               <a:rPr lang="ko-KR" altLang="en-US" smtClean="0"/>
-              <a:t>2021-10-28</a:t>
+              <a:t>2021-11-09</a:t>
             </a:fld>
             <a:endParaRPr lang="ko-KR" altLang="en-US"/>
           </a:p>
@@ -1398,7 +1403,7 @@
           <a:p>
             <a:fld id="{7A8194B3-AF51-4F45-83F3-54CAAB5A4272}" type="datetimeFigureOut">
               <a:rPr lang="ko-KR" altLang="en-US" smtClean="0"/>
-              <a:t>2021-10-28</a:t>
+              <a:t>2021-11-09</a:t>
             </a:fld>
             <a:endParaRPr lang="ko-KR" altLang="en-US"/>
           </a:p>
@@ -1810,7 +1815,7 @@
           <a:p>
             <a:fld id="{7A8194B3-AF51-4F45-83F3-54CAAB5A4272}" type="datetimeFigureOut">
               <a:rPr lang="ko-KR" altLang="en-US" smtClean="0"/>
-              <a:t>2021-10-28</a:t>
+              <a:t>2021-11-09</a:t>
             </a:fld>
             <a:endParaRPr lang="ko-KR" altLang="en-US"/>
           </a:p>
@@ -1951,7 +1956,7 @@
           <a:p>
             <a:fld id="{7A8194B3-AF51-4F45-83F3-54CAAB5A4272}" type="datetimeFigureOut">
               <a:rPr lang="ko-KR" altLang="en-US" smtClean="0"/>
-              <a:t>2021-10-28</a:t>
+              <a:t>2021-11-09</a:t>
             </a:fld>
             <a:endParaRPr lang="ko-KR" altLang="en-US"/>
           </a:p>
@@ -2064,7 +2069,7 @@
           <a:p>
             <a:fld id="{7A8194B3-AF51-4F45-83F3-54CAAB5A4272}" type="datetimeFigureOut">
               <a:rPr lang="ko-KR" altLang="en-US" smtClean="0"/>
-              <a:t>2021-10-28</a:t>
+              <a:t>2021-11-09</a:t>
             </a:fld>
             <a:endParaRPr lang="ko-KR" altLang="en-US"/>
           </a:p>
@@ -2375,7 +2380,7 @@
           <a:p>
             <a:fld id="{7A8194B3-AF51-4F45-83F3-54CAAB5A4272}" type="datetimeFigureOut">
               <a:rPr lang="ko-KR" altLang="en-US" smtClean="0"/>
-              <a:t>2021-10-28</a:t>
+              <a:t>2021-11-09</a:t>
             </a:fld>
             <a:endParaRPr lang="ko-KR" altLang="en-US"/>
           </a:p>
@@ -2663,7 +2668,7 @@
           <a:p>
             <a:fld id="{7A8194B3-AF51-4F45-83F3-54CAAB5A4272}" type="datetimeFigureOut">
               <a:rPr lang="ko-KR" altLang="en-US" smtClean="0"/>
-              <a:t>2021-10-28</a:t>
+              <a:t>2021-11-09</a:t>
             </a:fld>
             <a:endParaRPr lang="ko-KR" altLang="en-US"/>
           </a:p>
@@ -2904,7 +2909,7 @@
           <a:p>
             <a:fld id="{7A8194B3-AF51-4F45-83F3-54CAAB5A4272}" type="datetimeFigureOut">
               <a:rPr lang="ko-KR" altLang="en-US" smtClean="0"/>
-              <a:t>2021-10-28</a:t>
+              <a:t>2021-11-09</a:t>
             </a:fld>
             <a:endParaRPr lang="ko-KR" altLang="en-US"/>
           </a:p>
@@ -3321,6 +3326,47 @@
           <a:chExt cx="0" cy="0"/>
         </a:xfrm>
       </p:grpSpPr>
+      <p:cxnSp>
+        <p:nvCxnSpPr>
+          <p:cNvPr id="18" name="직선 화살표 연결선 17">
+            <a:extLst>
+              <a:ext uri="{FF2B5EF4-FFF2-40B4-BE49-F238E27FC236}">
+                <a16:creationId xmlns:a16="http://schemas.microsoft.com/office/drawing/2014/main" id="{89C5470B-3C26-4FC9-A459-48270EA29BEC}"/>
+              </a:ext>
+            </a:extLst>
+          </p:cNvPr>
+          <p:cNvCxnSpPr>
+            <a:cxnSpLocks/>
+          </p:cNvCxnSpPr>
+          <p:nvPr/>
+        </p:nvCxnSpPr>
+        <p:spPr>
+          <a:xfrm>
+            <a:off x="6108969" y="1630368"/>
+            <a:ext cx="0" cy="676832"/>
+          </a:xfrm>
+          <a:prstGeom prst="straightConnector1">
+            <a:avLst/>
+          </a:prstGeom>
+          <a:ln w="63500">
+            <a:tailEnd type="triangle"/>
+          </a:ln>
+        </p:spPr>
+        <p:style>
+          <a:lnRef idx="1">
+            <a:schemeClr val="accent1"/>
+          </a:lnRef>
+          <a:fillRef idx="0">
+            <a:schemeClr val="accent1"/>
+          </a:fillRef>
+          <a:effectRef idx="0">
+            <a:schemeClr val="accent1"/>
+          </a:effectRef>
+          <a:fontRef idx="minor">
+            <a:schemeClr val="tx1"/>
+          </a:fontRef>
+        </p:style>
+      </p:cxnSp>
       <p:sp>
         <p:nvSpPr>
           <p:cNvPr id="4" name="직사각형 3">
@@ -3335,7 +3381,7 @@
         </p:nvSpPr>
         <p:spPr>
           <a:xfrm>
-            <a:off x="4898153" y="249472"/>
+            <a:off x="4888595" y="2052238"/>
             <a:ext cx="2395693" cy="900318"/>
           </a:xfrm>
           <a:prstGeom prst="rect">
@@ -3385,7 +3431,7 @@
         </p:nvSpPr>
         <p:spPr>
           <a:xfrm>
-            <a:off x="2589290" y="1706702"/>
+            <a:off x="4883969" y="3074960"/>
             <a:ext cx="2395693" cy="900318"/>
           </a:xfrm>
           <a:prstGeom prst="rect">
@@ -3435,7 +3481,7 @@
         </p:nvSpPr>
         <p:spPr>
           <a:xfrm>
-            <a:off x="9097223" y="3200898"/>
+            <a:off x="2718665" y="4236977"/>
             <a:ext cx="2395693" cy="900318"/>
           </a:xfrm>
           <a:prstGeom prst="rect">
@@ -3485,7 +3531,7 @@
         </p:nvSpPr>
         <p:spPr>
           <a:xfrm>
-            <a:off x="9097223" y="4984573"/>
+            <a:off x="2718664" y="5367738"/>
             <a:ext cx="2395693" cy="900318"/>
           </a:xfrm>
           <a:prstGeom prst="rect">
@@ -3523,10 +3569,10 @@
       </p:sp>
       <p:sp>
         <p:nvSpPr>
-          <p:cNvPr id="8" name="직사각형 7">
-            <a:extLst>
-              <a:ext uri="{FF2B5EF4-FFF2-40B4-BE49-F238E27FC236}">
-                <a16:creationId xmlns:a16="http://schemas.microsoft.com/office/drawing/2014/main" id="{E0E2B8B7-634B-4826-8A25-2192B363CF39}"/>
+          <p:cNvPr id="9" name="직사각형 8">
+            <a:extLst>
+              <a:ext uri="{FF2B5EF4-FFF2-40B4-BE49-F238E27FC236}">
+                <a16:creationId xmlns:a16="http://schemas.microsoft.com/office/drawing/2014/main" id="{D3E7269E-964E-4A36-BAF1-C2B64E8EC160}"/>
               </a:ext>
             </a:extLst>
           </p:cNvPr>
@@ -3535,7 +3581,7 @@
         </p:nvSpPr>
         <p:spPr>
           <a:xfrm>
-            <a:off x="7438930" y="1706702"/>
+            <a:off x="57831" y="4236977"/>
             <a:ext cx="2395693" cy="900318"/>
           </a:xfrm>
           <a:prstGeom prst="rect">
@@ -3564,19 +3610,101 @@
           <a:p>
             <a:pPr algn="ctr"/>
             <a:r>
-              <a:rPr lang="en-US" altLang="ko-KR" dirty="0"/>
-              <a:t>Container</a:t>
+              <a:rPr lang="en-US" altLang="ko-KR" dirty="0" err="1"/>
+              <a:t>MovieScreen</a:t>
             </a:r>
             <a:endParaRPr lang="ko-KR" altLang="en-US" dirty="0"/>
           </a:p>
         </p:txBody>
       </p:sp>
-      <p:sp>
-        <p:nvSpPr>
-          <p:cNvPr id="9" name="직사각형 8">
-            <a:extLst>
-              <a:ext uri="{FF2B5EF4-FFF2-40B4-BE49-F238E27FC236}">
-                <a16:creationId xmlns:a16="http://schemas.microsoft.com/office/drawing/2014/main" id="{D3E7269E-964E-4A36-BAF1-C2B64E8EC160}"/>
+      <p:cxnSp>
+        <p:nvCxnSpPr>
+          <p:cNvPr id="11" name="직선 화살표 연결선 10">
+            <a:extLst>
+              <a:ext uri="{FF2B5EF4-FFF2-40B4-BE49-F238E27FC236}">
+                <a16:creationId xmlns:a16="http://schemas.microsoft.com/office/drawing/2014/main" id="{7AEE52F9-EC9D-4A63-9547-78EE71A56D7D}"/>
+              </a:ext>
+            </a:extLst>
+          </p:cNvPr>
+          <p:cNvCxnSpPr>
+            <a:cxnSpLocks/>
+          </p:cNvCxnSpPr>
+          <p:nvPr/>
+        </p:nvCxnSpPr>
+        <p:spPr>
+          <a:xfrm flipH="1">
+            <a:off x="3857904" y="2745489"/>
+            <a:ext cx="983349" cy="414134"/>
+          </a:xfrm>
+          <a:prstGeom prst="straightConnector1">
+            <a:avLst/>
+          </a:prstGeom>
+          <a:ln w="63500">
+            <a:tailEnd type="triangle"/>
+          </a:ln>
+        </p:spPr>
+        <p:style>
+          <a:lnRef idx="1">
+            <a:schemeClr val="accent1"/>
+          </a:lnRef>
+          <a:fillRef idx="0">
+            <a:schemeClr val="accent1"/>
+          </a:fillRef>
+          <a:effectRef idx="0">
+            <a:schemeClr val="accent1"/>
+          </a:effectRef>
+          <a:fontRef idx="minor">
+            <a:schemeClr val="tx1"/>
+          </a:fontRef>
+        </p:style>
+      </p:cxnSp>
+      <p:cxnSp>
+        <p:nvCxnSpPr>
+          <p:cNvPr id="14" name="직선 화살표 연결선 13">
+            <a:extLst>
+              <a:ext uri="{FF2B5EF4-FFF2-40B4-BE49-F238E27FC236}">
+                <a16:creationId xmlns:a16="http://schemas.microsoft.com/office/drawing/2014/main" id="{72360E09-79BB-4587-9B77-D013150B68FE}"/>
+              </a:ext>
+            </a:extLst>
+          </p:cNvPr>
+          <p:cNvCxnSpPr>
+            <a:cxnSpLocks/>
+          </p:cNvCxnSpPr>
+          <p:nvPr/>
+        </p:nvCxnSpPr>
+        <p:spPr>
+          <a:xfrm>
+            <a:off x="6095233" y="953536"/>
+            <a:ext cx="0" cy="676832"/>
+          </a:xfrm>
+          <a:prstGeom prst="straightConnector1">
+            <a:avLst/>
+          </a:prstGeom>
+          <a:ln w="63500">
+            <a:tailEnd type="triangle"/>
+          </a:ln>
+        </p:spPr>
+        <p:style>
+          <a:lnRef idx="1">
+            <a:schemeClr val="accent1"/>
+          </a:lnRef>
+          <a:fillRef idx="0">
+            <a:schemeClr val="accent1"/>
+          </a:fillRef>
+          <a:effectRef idx="0">
+            <a:schemeClr val="accent1"/>
+          </a:effectRef>
+          <a:fontRef idx="minor">
+            <a:schemeClr val="tx1"/>
+          </a:fontRef>
+        </p:style>
+      </p:cxnSp>
+      <p:sp>
+        <p:nvSpPr>
+          <p:cNvPr id="13" name="직사각형 12">
+            <a:extLst>
+              <a:ext uri="{FF2B5EF4-FFF2-40B4-BE49-F238E27FC236}">
+                <a16:creationId xmlns:a16="http://schemas.microsoft.com/office/drawing/2014/main" id="{EDEC1410-A30F-4D7A-A48D-299EE4F8CFE7}"/>
               </a:ext>
             </a:extLst>
           </p:cNvPr>
@@ -3585,7 +3713,121 @@
         </p:nvSpPr>
         <p:spPr>
           <a:xfrm>
-            <a:off x="5973450" y="3200898"/>
+            <a:off x="4898153" y="53218"/>
+            <a:ext cx="2395693" cy="900318"/>
+          </a:xfrm>
+          <a:prstGeom prst="rect">
+            <a:avLst/>
+          </a:prstGeom>
+          <a:solidFill>
+            <a:schemeClr val="accent4"/>
+          </a:solidFill>
+        </p:spPr>
+        <p:style>
+          <a:lnRef idx="2">
+            <a:schemeClr val="accent1">
+              <a:shade val="50000"/>
+            </a:schemeClr>
+          </a:lnRef>
+          <a:fillRef idx="1">
+            <a:schemeClr val="accent1"/>
+          </a:fillRef>
+          <a:effectRef idx="0">
+            <a:schemeClr val="accent1"/>
+          </a:effectRef>
+          <a:fontRef idx="minor">
+            <a:schemeClr val="lt1"/>
+          </a:fontRef>
+        </p:style>
+        <p:txBody>
+          <a:bodyPr rtlCol="0" anchor="ctr"/>
+          <a:lstStyle/>
+          <a:p>
+            <a:pPr algn="ctr"/>
+            <a:r>
+              <a:rPr lang="en-US" altLang="ko-KR" sz="2000" dirty="0" err="1">
+                <a:solidFill>
+                  <a:schemeClr val="tx1"/>
+                </a:solidFill>
+              </a:rPr>
+              <a:t>movieService</a:t>
+            </a:r>
+            <a:endParaRPr lang="ko-KR" altLang="en-US" sz="2000" dirty="0">
+              <a:solidFill>
+                <a:schemeClr val="tx1"/>
+              </a:solidFill>
+            </a:endParaRPr>
+          </a:p>
+        </p:txBody>
+      </p:sp>
+      <p:sp>
+        <p:nvSpPr>
+          <p:cNvPr id="15" name="직사각형 14">
+            <a:extLst>
+              <a:ext uri="{FF2B5EF4-FFF2-40B4-BE49-F238E27FC236}">
+                <a16:creationId xmlns:a16="http://schemas.microsoft.com/office/drawing/2014/main" id="{13923BDC-46D1-47F1-8BBF-4B8C82826B5A}"/>
+              </a:ext>
+            </a:extLst>
+          </p:cNvPr>
+          <p:cNvSpPr/>
+          <p:nvPr/>
+        </p:nvSpPr>
+        <p:spPr>
+          <a:xfrm>
+            <a:off x="4888596" y="1052728"/>
+            <a:ext cx="2395693" cy="900318"/>
+          </a:xfrm>
+          <a:prstGeom prst="rect">
+            <a:avLst/>
+          </a:prstGeom>
+          <a:solidFill>
+            <a:schemeClr val="tx1"/>
+          </a:solidFill>
+        </p:spPr>
+        <p:style>
+          <a:lnRef idx="2">
+            <a:schemeClr val="accent1">
+              <a:shade val="50000"/>
+            </a:schemeClr>
+          </a:lnRef>
+          <a:fillRef idx="1">
+            <a:schemeClr val="accent1"/>
+          </a:fillRef>
+          <a:effectRef idx="0">
+            <a:schemeClr val="accent1"/>
+          </a:effectRef>
+          <a:fontRef idx="minor">
+            <a:schemeClr val="lt1"/>
+          </a:fontRef>
+        </p:style>
+        <p:txBody>
+          <a:bodyPr rtlCol="0" anchor="ctr"/>
+          <a:lstStyle/>
+          <a:p>
+            <a:pPr algn="ctr"/>
+            <a:r>
+              <a:rPr lang="en-US" altLang="ko-KR" dirty="0"/>
+              <a:t>index</a:t>
+            </a:r>
+            <a:endParaRPr lang="ko-KR" altLang="en-US" dirty="0"/>
+          </a:p>
+        </p:txBody>
+      </p:sp>
+      <p:sp>
+        <p:nvSpPr>
+          <p:cNvPr id="19" name="직사각형 18">
+            <a:extLst>
+              <a:ext uri="{FF2B5EF4-FFF2-40B4-BE49-F238E27FC236}">
+                <a16:creationId xmlns:a16="http://schemas.microsoft.com/office/drawing/2014/main" id="{E323B39F-ED46-4D3E-9FB2-5DE643D4C488}"/>
+              </a:ext>
+            </a:extLst>
+          </p:cNvPr>
+          <p:cNvSpPr/>
+          <p:nvPr/>
+        </p:nvSpPr>
+        <p:spPr>
+          <a:xfrm>
+            <a:off x="1416997" y="3074960"/>
             <a:ext cx="2395693" cy="900318"/>
           </a:xfrm>
           <a:prstGeom prst="rect">
@@ -3614,8 +3856,208 @@
           <a:p>
             <a:pPr algn="ctr"/>
             <a:r>
+              <a:rPr lang="en-US" altLang="ko-KR" dirty="0"/>
+              <a:t>Main</a:t>
+            </a:r>
+            <a:endParaRPr lang="ko-KR" altLang="en-US" dirty="0"/>
+          </a:p>
+        </p:txBody>
+      </p:sp>
+      <p:sp>
+        <p:nvSpPr>
+          <p:cNvPr id="20" name="직사각형 19">
+            <a:extLst>
+              <a:ext uri="{FF2B5EF4-FFF2-40B4-BE49-F238E27FC236}">
+                <a16:creationId xmlns:a16="http://schemas.microsoft.com/office/drawing/2014/main" id="{327DBF7E-6F2E-4461-B667-A84158E5B608}"/>
+              </a:ext>
+            </a:extLst>
+          </p:cNvPr>
+          <p:cNvSpPr/>
+          <p:nvPr/>
+        </p:nvSpPr>
+        <p:spPr>
+          <a:xfrm>
+            <a:off x="8419887" y="3074960"/>
+            <a:ext cx="2395693" cy="900318"/>
+          </a:xfrm>
+          <a:prstGeom prst="rect">
+            <a:avLst/>
+          </a:prstGeom>
+        </p:spPr>
+        <p:style>
+          <a:lnRef idx="2">
+            <a:schemeClr val="accent1">
+              <a:shade val="50000"/>
+            </a:schemeClr>
+          </a:lnRef>
+          <a:fillRef idx="1">
+            <a:schemeClr val="accent1"/>
+          </a:fillRef>
+          <a:effectRef idx="0">
+            <a:schemeClr val="accent1"/>
+          </a:effectRef>
+          <a:fontRef idx="minor">
+            <a:schemeClr val="lt1"/>
+          </a:fontRef>
+        </p:style>
+        <p:txBody>
+          <a:bodyPr rtlCol="0" anchor="ctr"/>
+          <a:lstStyle/>
+          <a:p>
+            <a:pPr algn="ctr"/>
+            <a:r>
               <a:rPr lang="en-US" altLang="ko-KR" dirty="0" err="1"/>
-              <a:t>MovieScreen</a:t>
+              <a:t>MovieDetailPage</a:t>
+            </a:r>
+            <a:endParaRPr lang="ko-KR" altLang="en-US" dirty="0"/>
+          </a:p>
+        </p:txBody>
+      </p:sp>
+      <p:sp>
+        <p:nvSpPr>
+          <p:cNvPr id="23" name="직사각형 22">
+            <a:extLst>
+              <a:ext uri="{FF2B5EF4-FFF2-40B4-BE49-F238E27FC236}">
+                <a16:creationId xmlns:a16="http://schemas.microsoft.com/office/drawing/2014/main" id="{D3AD162F-589C-4358-B272-A52AD4953DA9}"/>
+              </a:ext>
+            </a:extLst>
+          </p:cNvPr>
+          <p:cNvSpPr/>
+          <p:nvPr/>
+        </p:nvSpPr>
+        <p:spPr>
+          <a:xfrm>
+            <a:off x="7077642" y="4221349"/>
+            <a:ext cx="2395693" cy="900318"/>
+          </a:xfrm>
+          <a:prstGeom prst="rect">
+            <a:avLst/>
+          </a:prstGeom>
+        </p:spPr>
+        <p:style>
+          <a:lnRef idx="2">
+            <a:schemeClr val="accent1">
+              <a:shade val="50000"/>
+            </a:schemeClr>
+          </a:lnRef>
+          <a:fillRef idx="1">
+            <a:schemeClr val="accent1"/>
+          </a:fillRef>
+          <a:effectRef idx="0">
+            <a:schemeClr val="accent1"/>
+          </a:effectRef>
+          <a:fontRef idx="minor">
+            <a:schemeClr val="lt1"/>
+          </a:fontRef>
+        </p:style>
+        <p:txBody>
+          <a:bodyPr rtlCol="0" anchor="ctr"/>
+          <a:lstStyle/>
+          <a:p>
+            <a:pPr algn="ctr"/>
+            <a:r>
+              <a:rPr lang="en-US" altLang="ko-KR" dirty="0" err="1"/>
+              <a:t>MovieInfo</a:t>
+            </a:r>
+            <a:endParaRPr lang="ko-KR" altLang="en-US" dirty="0"/>
+          </a:p>
+        </p:txBody>
+      </p:sp>
+      <p:sp>
+        <p:nvSpPr>
+          <p:cNvPr id="25" name="직사각형 24">
+            <a:extLst>
+              <a:ext uri="{FF2B5EF4-FFF2-40B4-BE49-F238E27FC236}">
+                <a16:creationId xmlns:a16="http://schemas.microsoft.com/office/drawing/2014/main" id="{9BC2CD19-FF97-49DC-AF94-4BF97AEC42DE}"/>
+              </a:ext>
+            </a:extLst>
+          </p:cNvPr>
+          <p:cNvSpPr/>
+          <p:nvPr/>
+        </p:nvSpPr>
+        <p:spPr>
+          <a:xfrm>
+            <a:off x="9738476" y="4221349"/>
+            <a:ext cx="2395693" cy="900318"/>
+          </a:xfrm>
+          <a:prstGeom prst="rect">
+            <a:avLst/>
+          </a:prstGeom>
+        </p:spPr>
+        <p:style>
+          <a:lnRef idx="2">
+            <a:schemeClr val="accent1">
+              <a:shade val="50000"/>
+            </a:schemeClr>
+          </a:lnRef>
+          <a:fillRef idx="1">
+            <a:schemeClr val="accent1"/>
+          </a:fillRef>
+          <a:effectRef idx="0">
+            <a:schemeClr val="accent1"/>
+          </a:effectRef>
+          <a:fontRef idx="minor">
+            <a:schemeClr val="lt1"/>
+          </a:fontRef>
+        </p:style>
+        <p:txBody>
+          <a:bodyPr rtlCol="0" anchor="ctr"/>
+          <a:lstStyle/>
+          <a:p>
+            <a:pPr algn="ctr"/>
+            <a:r>
+              <a:rPr lang="en-US" altLang="ko-KR" dirty="0" err="1"/>
+              <a:t>MovieList</a:t>
+            </a:r>
+            <a:endParaRPr lang="ko-KR" altLang="en-US" dirty="0"/>
+          </a:p>
+        </p:txBody>
+      </p:sp>
+      <p:sp>
+        <p:nvSpPr>
+          <p:cNvPr id="26" name="직사각형 25">
+            <a:extLst>
+              <a:ext uri="{FF2B5EF4-FFF2-40B4-BE49-F238E27FC236}">
+                <a16:creationId xmlns:a16="http://schemas.microsoft.com/office/drawing/2014/main" id="{B75D9687-B648-47DB-B568-1471465EC760}"/>
+              </a:ext>
+            </a:extLst>
+          </p:cNvPr>
+          <p:cNvSpPr/>
+          <p:nvPr/>
+        </p:nvSpPr>
+        <p:spPr>
+          <a:xfrm>
+            <a:off x="9738475" y="5367738"/>
+            <a:ext cx="2395693" cy="900318"/>
+          </a:xfrm>
+          <a:prstGeom prst="rect">
+            <a:avLst/>
+          </a:prstGeom>
+        </p:spPr>
+        <p:style>
+          <a:lnRef idx="2">
+            <a:schemeClr val="accent1">
+              <a:shade val="50000"/>
+            </a:schemeClr>
+          </a:lnRef>
+          <a:fillRef idx="1">
+            <a:schemeClr val="accent1"/>
+          </a:fillRef>
+          <a:effectRef idx="0">
+            <a:schemeClr val="accent1"/>
+          </a:effectRef>
+          <a:fontRef idx="minor">
+            <a:schemeClr val="lt1"/>
+          </a:fontRef>
+        </p:style>
+        <p:txBody>
+          <a:bodyPr rtlCol="0" anchor="ctr"/>
+          <a:lstStyle/>
+          <a:p>
+            <a:pPr algn="ctr"/>
+            <a:r>
+              <a:rPr lang="en-US" altLang="ko-KR" dirty="0" err="1"/>
+              <a:t>MovieItem</a:t>
             </a:r>
             <a:endParaRPr lang="ko-KR" altLang="en-US" dirty="0"/>
           </a:p>
@@ -3623,10 +4065,10 @@
       </p:sp>
       <p:cxnSp>
         <p:nvCxnSpPr>
-          <p:cNvPr id="11" name="직선 화살표 연결선 10">
-            <a:extLst>
-              <a:ext uri="{FF2B5EF4-FFF2-40B4-BE49-F238E27FC236}">
-                <a16:creationId xmlns:a16="http://schemas.microsoft.com/office/drawing/2014/main" id="{7AEE52F9-EC9D-4A63-9547-78EE71A56D7D}"/>
+          <p:cNvPr id="27" name="직선 화살표 연결선 26">
+            <a:extLst>
+              <a:ext uri="{FF2B5EF4-FFF2-40B4-BE49-F238E27FC236}">
+                <a16:creationId xmlns:a16="http://schemas.microsoft.com/office/drawing/2014/main" id="{35C2123C-D4D3-4B53-A5A6-0E5A4E1F2968}"/>
               </a:ext>
             </a:extLst>
           </p:cNvPr>
@@ -3636,8 +4078,8 @@
           <p:nvPr/>
         </p:nvCxnSpPr>
         <p:spPr>
-          <a:xfrm flipH="1">
-            <a:off x="3854966" y="1183328"/>
+          <a:xfrm>
+            <a:off x="7367592" y="2745489"/>
             <a:ext cx="983349" cy="414134"/>
           </a:xfrm>
           <a:prstGeom prst="straightConnector1">
@@ -3664,10 +4106,10 @@
       </p:cxnSp>
       <p:cxnSp>
         <p:nvCxnSpPr>
-          <p:cNvPr id="14" name="직선 화살표 연결선 13">
-            <a:extLst>
-              <a:ext uri="{FF2B5EF4-FFF2-40B4-BE49-F238E27FC236}">
-                <a16:creationId xmlns:a16="http://schemas.microsoft.com/office/drawing/2014/main" id="{72360E09-79BB-4587-9B77-D013150B68FE}"/>
+          <p:cNvPr id="30" name="직선 화살표 연결선 29">
+            <a:extLst>
+              <a:ext uri="{FF2B5EF4-FFF2-40B4-BE49-F238E27FC236}">
+                <a16:creationId xmlns:a16="http://schemas.microsoft.com/office/drawing/2014/main" id="{DF6A93AC-C9C2-4A1C-9F94-F1BE966FA484}"/>
               </a:ext>
             </a:extLst>
           </p:cNvPr>
@@ -3677,9 +4119,9 @@
           <p:nvPr/>
         </p:nvCxnSpPr>
         <p:spPr>
-          <a:xfrm flipH="1">
-            <a:off x="7067602" y="2661886"/>
-            <a:ext cx="973462" cy="504006"/>
+          <a:xfrm>
+            <a:off x="6113917" y="2736544"/>
+            <a:ext cx="0" cy="676832"/>
           </a:xfrm>
           <a:prstGeom prst="straightConnector1">
             <a:avLst/>
@@ -3705,10 +4147,10 @@
       </p:cxnSp>
       <p:cxnSp>
         <p:nvCxnSpPr>
-          <p:cNvPr id="17" name="직선 화살표 연결선 16">
-            <a:extLst>
-              <a:ext uri="{FF2B5EF4-FFF2-40B4-BE49-F238E27FC236}">
-                <a16:creationId xmlns:a16="http://schemas.microsoft.com/office/drawing/2014/main" id="{6F4EA00F-3AED-44B7-8773-949A2ED7C104}"/>
+          <p:cNvPr id="32" name="직선 화살표 연결선 31">
+            <a:extLst>
+              <a:ext uri="{FF2B5EF4-FFF2-40B4-BE49-F238E27FC236}">
+                <a16:creationId xmlns:a16="http://schemas.microsoft.com/office/drawing/2014/main" id="{2FAC6C97-78E5-4364-86C3-5CD7356BF3B1}"/>
               </a:ext>
             </a:extLst>
           </p:cNvPr>
@@ -3718,9 +4160,9 @@
           <p:nvPr/>
         </p:nvCxnSpPr>
         <p:spPr>
-          <a:xfrm>
-            <a:off x="7353687" y="1202696"/>
-            <a:ext cx="1130437" cy="414134"/>
+          <a:xfrm flipH="1">
+            <a:off x="1252213" y="3968066"/>
+            <a:ext cx="983349" cy="414134"/>
           </a:xfrm>
           <a:prstGeom prst="straightConnector1">
             <a:avLst/>
@@ -3746,10 +4188,10 @@
       </p:cxnSp>
       <p:cxnSp>
         <p:nvCxnSpPr>
-          <p:cNvPr id="21" name="직선 화살표 연결선 20">
-            <a:extLst>
-              <a:ext uri="{FF2B5EF4-FFF2-40B4-BE49-F238E27FC236}">
-                <a16:creationId xmlns:a16="http://schemas.microsoft.com/office/drawing/2014/main" id="{AAB34F4D-2B85-4F08-BFC4-691F3F44FA78}"/>
+          <p:cNvPr id="33" name="직선 화살표 연결선 32">
+            <a:extLst>
+              <a:ext uri="{FF2B5EF4-FFF2-40B4-BE49-F238E27FC236}">
+                <a16:creationId xmlns:a16="http://schemas.microsoft.com/office/drawing/2014/main" id="{BA4F02C2-7754-4792-9799-6B1A51902779}"/>
               </a:ext>
             </a:extLst>
           </p:cNvPr>
@@ -3760,8 +4202,8 @@
         </p:nvCxnSpPr>
         <p:spPr>
           <a:xfrm>
-            <a:off x="9287082" y="2674464"/>
-            <a:ext cx="1095081" cy="458989"/>
+            <a:off x="2829341" y="3962705"/>
+            <a:ext cx="983349" cy="414134"/>
           </a:xfrm>
           <a:prstGeom prst="straightConnector1">
             <a:avLst/>
@@ -3787,10 +4229,10 @@
       </p:cxnSp>
       <p:cxnSp>
         <p:nvCxnSpPr>
-          <p:cNvPr id="24" name="직선 화살표 연결선 23">
-            <a:extLst>
-              <a:ext uri="{FF2B5EF4-FFF2-40B4-BE49-F238E27FC236}">
-                <a16:creationId xmlns:a16="http://schemas.microsoft.com/office/drawing/2014/main" id="{174CBC69-0FC9-4AF5-A0FD-53FCDD038A01}"/>
+          <p:cNvPr id="34" name="직선 화살표 연결선 33">
+            <a:extLst>
+              <a:ext uri="{FF2B5EF4-FFF2-40B4-BE49-F238E27FC236}">
+                <a16:creationId xmlns:a16="http://schemas.microsoft.com/office/drawing/2014/main" id="{35EA1CCC-FDF3-4C23-94D4-E8911C1D6C8D}"/>
               </a:ext>
             </a:extLst>
           </p:cNvPr>
@@ -3801,8 +4243,131 @@
         </p:nvCxnSpPr>
         <p:spPr>
           <a:xfrm>
-            <a:off x="10295069" y="4204355"/>
-            <a:ext cx="0" cy="706283"/>
+            <a:off x="9881592" y="3962705"/>
+            <a:ext cx="983349" cy="414134"/>
+          </a:xfrm>
+          <a:prstGeom prst="straightConnector1">
+            <a:avLst/>
+          </a:prstGeom>
+          <a:ln w="63500">
+            <a:tailEnd type="triangle"/>
+          </a:ln>
+        </p:spPr>
+        <p:style>
+          <a:lnRef idx="1">
+            <a:schemeClr val="accent1"/>
+          </a:lnRef>
+          <a:fillRef idx="0">
+            <a:schemeClr val="accent1"/>
+          </a:fillRef>
+          <a:effectRef idx="0">
+            <a:schemeClr val="accent1"/>
+          </a:effectRef>
+          <a:fontRef idx="minor">
+            <a:schemeClr val="tx1"/>
+          </a:fontRef>
+        </p:style>
+      </p:cxnSp>
+      <p:cxnSp>
+        <p:nvCxnSpPr>
+          <p:cNvPr id="35" name="직선 화살표 연결선 34">
+            <a:extLst>
+              <a:ext uri="{FF2B5EF4-FFF2-40B4-BE49-F238E27FC236}">
+                <a16:creationId xmlns:a16="http://schemas.microsoft.com/office/drawing/2014/main" id="{98FB026F-6986-4C8A-87EC-94078837ACEE}"/>
+              </a:ext>
+            </a:extLst>
+          </p:cNvPr>
+          <p:cNvCxnSpPr>
+            <a:cxnSpLocks/>
+          </p:cNvCxnSpPr>
+          <p:nvPr/>
+        </p:nvCxnSpPr>
+        <p:spPr>
+          <a:xfrm flipH="1">
+            <a:off x="8419887" y="3975278"/>
+            <a:ext cx="983349" cy="414134"/>
+          </a:xfrm>
+          <a:prstGeom prst="straightConnector1">
+            <a:avLst/>
+          </a:prstGeom>
+          <a:ln w="63500">
+            <a:tailEnd type="triangle"/>
+          </a:ln>
+        </p:spPr>
+        <p:style>
+          <a:lnRef idx="1">
+            <a:schemeClr val="accent1"/>
+          </a:lnRef>
+          <a:fillRef idx="0">
+            <a:schemeClr val="accent1"/>
+          </a:fillRef>
+          <a:effectRef idx="0">
+            <a:schemeClr val="accent1"/>
+          </a:effectRef>
+          <a:fontRef idx="minor">
+            <a:schemeClr val="tx1"/>
+          </a:fontRef>
+        </p:style>
+      </p:cxnSp>
+      <p:cxnSp>
+        <p:nvCxnSpPr>
+          <p:cNvPr id="36" name="직선 화살표 연결선 35">
+            <a:extLst>
+              <a:ext uri="{FF2B5EF4-FFF2-40B4-BE49-F238E27FC236}">
+                <a16:creationId xmlns:a16="http://schemas.microsoft.com/office/drawing/2014/main" id="{1CAF9B60-EADF-44B6-8FA5-7D32CCBC445C}"/>
+              </a:ext>
+            </a:extLst>
+          </p:cNvPr>
+          <p:cNvCxnSpPr>
+            <a:cxnSpLocks/>
+          </p:cNvCxnSpPr>
+          <p:nvPr/>
+        </p:nvCxnSpPr>
+        <p:spPr>
+          <a:xfrm>
+            <a:off x="3916510" y="4987914"/>
+            <a:ext cx="0" cy="676832"/>
+          </a:xfrm>
+          <a:prstGeom prst="straightConnector1">
+            <a:avLst/>
+          </a:prstGeom>
+          <a:ln w="63500">
+            <a:tailEnd type="triangle"/>
+          </a:ln>
+        </p:spPr>
+        <p:style>
+          <a:lnRef idx="1">
+            <a:schemeClr val="accent1"/>
+          </a:lnRef>
+          <a:fillRef idx="0">
+            <a:schemeClr val="accent1"/>
+          </a:fillRef>
+          <a:effectRef idx="0">
+            <a:schemeClr val="accent1"/>
+          </a:effectRef>
+          <a:fontRef idx="minor">
+            <a:schemeClr val="tx1"/>
+          </a:fontRef>
+        </p:style>
+      </p:cxnSp>
+      <p:cxnSp>
+        <p:nvCxnSpPr>
+          <p:cNvPr id="37" name="직선 화살표 연결선 36">
+            <a:extLst>
+              <a:ext uri="{FF2B5EF4-FFF2-40B4-BE49-F238E27FC236}">
+                <a16:creationId xmlns:a16="http://schemas.microsoft.com/office/drawing/2014/main" id="{A08AC233-AEA2-4CBD-9459-D62B2A46475B}"/>
+              </a:ext>
+            </a:extLst>
+          </p:cNvPr>
+          <p:cNvCxnSpPr>
+            <a:cxnSpLocks/>
+          </p:cNvCxnSpPr>
+          <p:nvPr/>
+        </p:nvCxnSpPr>
+        <p:spPr>
+          <a:xfrm>
+            <a:off x="10936321" y="4987914"/>
+            <a:ext cx="0" cy="676832"/>
           </a:xfrm>
           <a:prstGeom prst="straightConnector1">
             <a:avLst/>
